--- a/객체지향의 사실과 오해.pptx
+++ b/객체지향의 사실과 오해.pptx
@@ -7,6 +7,13 @@
   <p:sldIdLst>
     <p:sldId id="256" r:id="rId2"/>
     <p:sldId id="257" r:id="rId3"/>
+    <p:sldId id="258" r:id="rId4"/>
+    <p:sldId id="259" r:id="rId5"/>
+    <p:sldId id="260" r:id="rId6"/>
+    <p:sldId id="261" r:id="rId7"/>
+    <p:sldId id="262" r:id="rId8"/>
+    <p:sldId id="263" r:id="rId9"/>
+    <p:sldId id="264" r:id="rId10"/>
   </p:sldIdLst>
   <p:sldSz cx="9144000" cy="6858000" type="screen4x3"/>
   <p:notesSz cx="6858000" cy="9144000"/>
@@ -105,6 +112,11 @@
       </a:defRPr>
     </a:lvl9pPr>
   </p:defaultTextStyle>
+  <p:extLst>
+    <p:ext uri="{EFAFB233-063F-42B5-8137-9DF3F51BA10A}">
+      <p15:sldGuideLst xmlns:p15="http://schemas.microsoft.com/office/powerpoint/2012/main"/>
+    </p:ext>
+  </p:extLst>
 </p:presentation>
 </file>
 
@@ -239,7 +251,7 @@
           <a:p>
             <a:fld id="{AEBB66BE-2B78-49F6-ACEB-8632F3F3DA03}" type="datetimeFigureOut">
               <a:rPr lang="ko-KR" altLang="en-US" smtClean="0"/>
-              <a:t>2020-02-18</a:t>
+              <a:t>2020-02-21</a:t>
             </a:fld>
             <a:endParaRPr lang="ko-KR" altLang="en-US"/>
           </a:p>
@@ -409,7 +421,7 @@
           <a:p>
             <a:fld id="{AEBB66BE-2B78-49F6-ACEB-8632F3F3DA03}" type="datetimeFigureOut">
               <a:rPr lang="ko-KR" altLang="en-US" smtClean="0"/>
-              <a:t>2020-02-18</a:t>
+              <a:t>2020-02-21</a:t>
             </a:fld>
             <a:endParaRPr lang="ko-KR" altLang="en-US"/>
           </a:p>
@@ -589,7 +601,7 @@
           <a:p>
             <a:fld id="{AEBB66BE-2B78-49F6-ACEB-8632F3F3DA03}" type="datetimeFigureOut">
               <a:rPr lang="ko-KR" altLang="en-US" smtClean="0"/>
-              <a:t>2020-02-18</a:t>
+              <a:t>2020-02-21</a:t>
             </a:fld>
             <a:endParaRPr lang="ko-KR" altLang="en-US"/>
           </a:p>
@@ -759,7 +771,7 @@
           <a:p>
             <a:fld id="{AEBB66BE-2B78-49F6-ACEB-8632F3F3DA03}" type="datetimeFigureOut">
               <a:rPr lang="ko-KR" altLang="en-US" smtClean="0"/>
-              <a:t>2020-02-18</a:t>
+              <a:t>2020-02-21</a:t>
             </a:fld>
             <a:endParaRPr lang="ko-KR" altLang="en-US"/>
           </a:p>
@@ -1003,7 +1015,7 @@
           <a:p>
             <a:fld id="{AEBB66BE-2B78-49F6-ACEB-8632F3F3DA03}" type="datetimeFigureOut">
               <a:rPr lang="ko-KR" altLang="en-US" smtClean="0"/>
-              <a:t>2020-02-18</a:t>
+              <a:t>2020-02-21</a:t>
             </a:fld>
             <a:endParaRPr lang="ko-KR" altLang="en-US"/>
           </a:p>
@@ -1235,7 +1247,7 @@
           <a:p>
             <a:fld id="{AEBB66BE-2B78-49F6-ACEB-8632F3F3DA03}" type="datetimeFigureOut">
               <a:rPr lang="ko-KR" altLang="en-US" smtClean="0"/>
-              <a:t>2020-02-18</a:t>
+              <a:t>2020-02-21</a:t>
             </a:fld>
             <a:endParaRPr lang="ko-KR" altLang="en-US"/>
           </a:p>
@@ -1602,7 +1614,7 @@
           <a:p>
             <a:fld id="{AEBB66BE-2B78-49F6-ACEB-8632F3F3DA03}" type="datetimeFigureOut">
               <a:rPr lang="ko-KR" altLang="en-US" smtClean="0"/>
-              <a:t>2020-02-18</a:t>
+              <a:t>2020-02-21</a:t>
             </a:fld>
             <a:endParaRPr lang="ko-KR" altLang="en-US"/>
           </a:p>
@@ -1720,7 +1732,7 @@
           <a:p>
             <a:fld id="{AEBB66BE-2B78-49F6-ACEB-8632F3F3DA03}" type="datetimeFigureOut">
               <a:rPr lang="ko-KR" altLang="en-US" smtClean="0"/>
-              <a:t>2020-02-18</a:t>
+              <a:t>2020-02-21</a:t>
             </a:fld>
             <a:endParaRPr lang="ko-KR" altLang="en-US"/>
           </a:p>
@@ -1815,7 +1827,7 @@
           <a:p>
             <a:fld id="{AEBB66BE-2B78-49F6-ACEB-8632F3F3DA03}" type="datetimeFigureOut">
               <a:rPr lang="ko-KR" altLang="en-US" smtClean="0"/>
-              <a:t>2020-02-18</a:t>
+              <a:t>2020-02-21</a:t>
             </a:fld>
             <a:endParaRPr lang="ko-KR" altLang="en-US"/>
           </a:p>
@@ -2092,7 +2104,7 @@
           <a:p>
             <a:fld id="{AEBB66BE-2B78-49F6-ACEB-8632F3F3DA03}" type="datetimeFigureOut">
               <a:rPr lang="ko-KR" altLang="en-US" smtClean="0"/>
-              <a:t>2020-02-18</a:t>
+              <a:t>2020-02-21</a:t>
             </a:fld>
             <a:endParaRPr lang="ko-KR" altLang="en-US"/>
           </a:p>
@@ -2349,7 +2361,7 @@
           <a:p>
             <a:fld id="{AEBB66BE-2B78-49F6-ACEB-8632F3F3DA03}" type="datetimeFigureOut">
               <a:rPr lang="ko-KR" altLang="en-US" smtClean="0"/>
-              <a:t>2020-02-18</a:t>
+              <a:t>2020-02-21</a:t>
             </a:fld>
             <a:endParaRPr lang="ko-KR" altLang="en-US"/>
           </a:p>
@@ -2562,7 +2574,7 @@
           <a:p>
             <a:fld id="{AEBB66BE-2B78-49F6-ACEB-8632F3F3DA03}" type="datetimeFigureOut">
               <a:rPr lang="ko-KR" altLang="en-US" smtClean="0"/>
-              <a:t>2020-02-18</a:t>
+              <a:t>2020-02-21</a:t>
             </a:fld>
             <a:endParaRPr lang="ko-KR" altLang="en-US"/>
           </a:p>
@@ -3102,7 +3114,10 @@
           <a:bodyPr/>
           <a:lstStyle/>
           <a:p>
-            <a:endParaRPr lang="ko-KR" altLang="en-US"/>
+            <a:r>
+              <a:rPr lang="ko-KR" altLang="en-US" dirty="0"/>
+              <a:t>협력하는 객체들의 공동체</a:t>
+            </a:r>
           </a:p>
         </p:txBody>
       </p:sp>
@@ -3127,7 +3142,64 @@
           <a:bodyPr/>
           <a:lstStyle/>
           <a:p>
-            <a:endParaRPr lang="ko-KR" altLang="en-US"/>
+            <a:r>
+              <a:rPr lang="ko-KR" altLang="en-US" dirty="0"/>
+              <a:t>객체지향이란</a:t>
+            </a:r>
+            <a:r>
+              <a:rPr lang="en-US" altLang="ko-KR" dirty="0"/>
+              <a:t>?</a:t>
+            </a:r>
+          </a:p>
+          <a:p>
+            <a:pPr lvl="1"/>
+            <a:r>
+              <a:rPr lang="ko-KR" altLang="en-US" dirty="0"/>
+              <a:t>클래스 지향이 아니다</a:t>
+            </a:r>
+            <a:r>
+              <a:rPr lang="en-US" altLang="ko-KR" dirty="0"/>
+              <a:t>.</a:t>
+            </a:r>
+          </a:p>
+          <a:p>
+            <a:pPr lvl="1"/>
+            <a:r>
+              <a:rPr lang="ko-KR" altLang="en-US" dirty="0"/>
+              <a:t>적절한 책임을 수행하는 역할 간의 유연하고 견고한 협력 관계를 구축하는 것</a:t>
+            </a:r>
+            <a:r>
+              <a:rPr lang="en-US" altLang="ko-KR" dirty="0"/>
+              <a:t>!!</a:t>
+            </a:r>
+          </a:p>
+          <a:p>
+            <a:pPr lvl="1"/>
+            <a:r>
+              <a:rPr lang="ko-KR" altLang="en-US" dirty="0"/>
+              <a:t>클래스의 구조와 메서드가 아니라 객체의 역할</a:t>
+            </a:r>
+            <a:r>
+              <a:rPr lang="en-US" altLang="ko-KR" dirty="0"/>
+              <a:t>, </a:t>
+            </a:r>
+            <a:r>
+              <a:rPr lang="ko-KR" altLang="en-US" dirty="0"/>
+              <a:t>책임</a:t>
+            </a:r>
+            <a:r>
+              <a:rPr lang="en-US" altLang="ko-KR" dirty="0"/>
+              <a:t>, </a:t>
+            </a:r>
+            <a:r>
+              <a:rPr lang="ko-KR" altLang="en-US" dirty="0"/>
+              <a:t>협력에 집중하라</a:t>
+            </a:r>
+            <a:r>
+              <a:rPr lang="en-US" altLang="ko-KR" dirty="0"/>
+              <a:t>.</a:t>
+            </a:r>
+            <a:endParaRPr lang="ko-KR" altLang="en-US" dirty="0"/>
           </a:p>
         </p:txBody>
       </p:sp>
@@ -3135,6 +3207,891 @@
     <p:extLst>
       <p:ext uri="{BB962C8B-B14F-4D97-AF65-F5344CB8AC3E}">
         <p14:creationId xmlns:p14="http://schemas.microsoft.com/office/powerpoint/2010/main" val="1676684945"/>
+      </p:ext>
+    </p:extLst>
+  </p:cSld>
+  <p:clrMapOvr>
+    <a:masterClrMapping/>
+  </p:clrMapOvr>
+</p:sld>
+</file>
+
+<file path=ppt/slides/slide3.xml><?xml version="1.0" encoding="utf-8"?>
+<p:sld xmlns:a="http://schemas.openxmlformats.org/drawingml/2006/main" xmlns:r="http://schemas.openxmlformats.org/officeDocument/2006/relationships" xmlns:p="http://schemas.openxmlformats.org/presentationml/2006/main">
+  <p:cSld>
+    <p:spTree>
+      <p:nvGrpSpPr>
+        <p:cNvPr id="1" name=""/>
+        <p:cNvGrpSpPr/>
+        <p:nvPr/>
+      </p:nvGrpSpPr>
+      <p:grpSpPr>
+        <a:xfrm>
+          <a:off x="0" y="0"/>
+          <a:ext cx="0" cy="0"/>
+          <a:chOff x="0" y="0"/>
+          <a:chExt cx="0" cy="0"/>
+        </a:xfrm>
+      </p:grpSpPr>
+      <p:sp>
+        <p:nvSpPr>
+          <p:cNvPr id="2" name="제목 1">
+            <a:extLst>
+              <a:ext uri="{FF2B5EF4-FFF2-40B4-BE49-F238E27FC236}">
+                <a16:creationId xmlns:a16="http://schemas.microsoft.com/office/drawing/2014/main" id="{7D5C1FC4-AAAB-4CAC-B93A-535C8E82190C}"/>
+              </a:ext>
+            </a:extLst>
+          </p:cNvPr>
+          <p:cNvSpPr>
+            <a:spLocks noGrp="1"/>
+          </p:cNvSpPr>
+          <p:nvPr>
+            <p:ph type="title"/>
+          </p:nvPr>
+        </p:nvSpPr>
+        <p:spPr/>
+        <p:txBody>
+          <a:bodyPr/>
+          <a:lstStyle/>
+          <a:p>
+            <a:r>
+              <a:rPr lang="ko-KR" altLang="en-US" dirty="0"/>
+              <a:t>이상한 나라의 객체</a:t>
+            </a:r>
+          </a:p>
+        </p:txBody>
+      </p:sp>
+      <p:sp>
+        <p:nvSpPr>
+          <p:cNvPr id="3" name="내용 개체 틀 2">
+            <a:extLst>
+              <a:ext uri="{FF2B5EF4-FFF2-40B4-BE49-F238E27FC236}">
+                <a16:creationId xmlns:a16="http://schemas.microsoft.com/office/drawing/2014/main" id="{BEFA836E-11BB-495C-8109-FA0D671A0053}"/>
+              </a:ext>
+            </a:extLst>
+          </p:cNvPr>
+          <p:cNvSpPr>
+            <a:spLocks noGrp="1"/>
+          </p:cNvSpPr>
+          <p:nvPr>
+            <p:ph idx="1"/>
+          </p:nvPr>
+        </p:nvSpPr>
+        <p:spPr/>
+        <p:txBody>
+          <a:bodyPr/>
+          <a:lstStyle/>
+          <a:p>
+            <a:r>
+              <a:rPr lang="ko-KR" altLang="en-US" dirty="0"/>
+              <a:t>객체지향 패러다임의 목적</a:t>
+            </a:r>
+            <a:endParaRPr lang="en-US" altLang="ko-KR" dirty="0"/>
+          </a:p>
+          <a:p>
+            <a:pPr lvl="1"/>
+            <a:r>
+              <a:rPr lang="ko-KR" altLang="en-US" dirty="0"/>
+              <a:t>현실 세계를 모방하는 것이 아니라 현실 세계를 기반으로 새로운 세계를 창조하는 것이다</a:t>
+            </a:r>
+            <a:r>
+              <a:rPr lang="en-US" altLang="ko-KR" dirty="0"/>
+              <a:t>.</a:t>
+            </a:r>
+          </a:p>
+          <a:p>
+            <a:endParaRPr lang="en-US" altLang="ko-KR" dirty="0"/>
+          </a:p>
+          <a:p>
+            <a:r>
+              <a:rPr lang="ko-KR" altLang="en-US" dirty="0"/>
+              <a:t>행동이 상태를 결정한다</a:t>
+            </a:r>
+            <a:r>
+              <a:rPr lang="en-US" altLang="ko-KR" dirty="0"/>
+              <a:t>.</a:t>
+            </a:r>
+          </a:p>
+          <a:p>
+            <a:pPr lvl="1"/>
+            <a:r>
+              <a:rPr lang="ko-KR" altLang="en-US" dirty="0"/>
+              <a:t>협력에 참여하는 훌륭한 객체 시민을 양성하기 위한 가장 중요한 덕목은 상태가 아니라 행동에 초점을 맞추는 것이다</a:t>
+            </a:r>
+            <a:r>
+              <a:rPr lang="en-US" altLang="ko-KR" dirty="0"/>
+              <a:t>!!</a:t>
+            </a:r>
+          </a:p>
+          <a:p>
+            <a:endParaRPr lang="ko-KR" altLang="en-US" dirty="0"/>
+          </a:p>
+        </p:txBody>
+      </p:sp>
+    </p:spTree>
+    <p:extLst>
+      <p:ext uri="{BB962C8B-B14F-4D97-AF65-F5344CB8AC3E}">
+        <p14:creationId xmlns:p14="http://schemas.microsoft.com/office/powerpoint/2010/main" val="3863814578"/>
+      </p:ext>
+    </p:extLst>
+  </p:cSld>
+  <p:clrMapOvr>
+    <a:masterClrMapping/>
+  </p:clrMapOvr>
+</p:sld>
+</file>
+
+<file path=ppt/slides/slide4.xml><?xml version="1.0" encoding="utf-8"?>
+<p:sld xmlns:a="http://schemas.openxmlformats.org/drawingml/2006/main" xmlns:r="http://schemas.openxmlformats.org/officeDocument/2006/relationships" xmlns:p="http://schemas.openxmlformats.org/presentationml/2006/main">
+  <p:cSld>
+    <p:spTree>
+      <p:nvGrpSpPr>
+        <p:cNvPr id="1" name=""/>
+        <p:cNvGrpSpPr/>
+        <p:nvPr/>
+      </p:nvGrpSpPr>
+      <p:grpSpPr>
+        <a:xfrm>
+          <a:off x="0" y="0"/>
+          <a:ext cx="0" cy="0"/>
+          <a:chOff x="0" y="0"/>
+          <a:chExt cx="0" cy="0"/>
+        </a:xfrm>
+      </p:grpSpPr>
+      <p:sp>
+        <p:nvSpPr>
+          <p:cNvPr id="2" name="제목 1">
+            <a:extLst>
+              <a:ext uri="{FF2B5EF4-FFF2-40B4-BE49-F238E27FC236}">
+                <a16:creationId xmlns:a16="http://schemas.microsoft.com/office/drawing/2014/main" id="{E5259799-11D1-4726-923A-9DBF4CCC8965}"/>
+              </a:ext>
+            </a:extLst>
+          </p:cNvPr>
+          <p:cNvSpPr>
+            <a:spLocks noGrp="1"/>
+          </p:cNvSpPr>
+          <p:nvPr>
+            <p:ph type="title"/>
+          </p:nvPr>
+        </p:nvSpPr>
+        <p:spPr/>
+        <p:txBody>
+          <a:bodyPr/>
+          <a:lstStyle/>
+          <a:p>
+            <a:r>
+              <a:rPr lang="ko-KR" altLang="en-US" dirty="0"/>
+              <a:t>타입과 추상화</a:t>
+            </a:r>
+          </a:p>
+        </p:txBody>
+      </p:sp>
+      <p:sp>
+        <p:nvSpPr>
+          <p:cNvPr id="3" name="내용 개체 틀 2">
+            <a:extLst>
+              <a:ext uri="{FF2B5EF4-FFF2-40B4-BE49-F238E27FC236}">
+                <a16:creationId xmlns:a16="http://schemas.microsoft.com/office/drawing/2014/main" id="{BDCB7DC0-E23E-4382-B2CE-0BB3B5B02DDF}"/>
+              </a:ext>
+            </a:extLst>
+          </p:cNvPr>
+          <p:cNvSpPr>
+            <a:spLocks noGrp="1"/>
+          </p:cNvSpPr>
+          <p:nvPr>
+            <p:ph idx="1"/>
+          </p:nvPr>
+        </p:nvSpPr>
+        <p:spPr/>
+        <p:txBody>
+          <a:bodyPr/>
+          <a:lstStyle/>
+          <a:p>
+            <a:r>
+              <a:rPr lang="ko-KR" altLang="en-US" dirty="0"/>
+              <a:t>현상은 복잡하다</a:t>
+            </a:r>
+            <a:r>
+              <a:rPr lang="en-US" altLang="ko-KR" dirty="0"/>
+              <a:t>. </a:t>
+            </a:r>
+            <a:r>
+              <a:rPr lang="ko-KR" altLang="en-US" dirty="0"/>
+              <a:t>법칙은 단순하다</a:t>
+            </a:r>
+            <a:r>
+              <a:rPr lang="en-US" altLang="ko-KR" dirty="0"/>
+              <a:t>. </a:t>
+            </a:r>
+            <a:r>
+              <a:rPr lang="ko-KR" altLang="en-US" dirty="0"/>
+              <a:t>버릴 게 무엇인지 알아내라</a:t>
+            </a:r>
+            <a:r>
+              <a:rPr lang="en-US" altLang="ko-KR" dirty="0"/>
+              <a:t>. </a:t>
+            </a:r>
+          </a:p>
+          <a:p>
+            <a:pPr marL="0" indent="0">
+              <a:buNone/>
+            </a:pPr>
+            <a:r>
+              <a:rPr lang="en-US" altLang="ko-KR" dirty="0"/>
+              <a:t>					   – </a:t>
+            </a:r>
+            <a:r>
+              <a:rPr lang="ko-KR" altLang="en-US" dirty="0"/>
+              <a:t>리처드 </a:t>
+            </a:r>
+            <a:r>
+              <a:rPr lang="ko-KR" altLang="en-US" dirty="0" err="1"/>
+              <a:t>파인만</a:t>
+            </a:r>
+            <a:r>
+              <a:rPr lang="ko-KR" altLang="en-US" dirty="0"/>
+              <a:t> </a:t>
+            </a:r>
+            <a:r>
+              <a:rPr lang="en-US" altLang="ko-KR" dirty="0"/>
+              <a:t>– </a:t>
+            </a:r>
+          </a:p>
+          <a:p>
+            <a:endParaRPr lang="en-US" altLang="ko-KR" dirty="0"/>
+          </a:p>
+          <a:p>
+            <a:r>
+              <a:rPr lang="ko-KR" altLang="en-US" dirty="0"/>
+              <a:t>객체를 분류하는 기준은 타입이다</a:t>
+            </a:r>
+            <a:r>
+              <a:rPr lang="en-US" altLang="ko-KR" dirty="0"/>
+              <a:t>.</a:t>
+            </a:r>
+          </a:p>
+          <a:p>
+            <a:r>
+              <a:rPr lang="ko-KR" altLang="en-US" dirty="0"/>
+              <a:t>타입을 나누는 기준은 객체가 수행하는 행동이다</a:t>
+            </a:r>
+            <a:r>
+              <a:rPr lang="en-US" altLang="ko-KR" dirty="0"/>
+              <a:t>.</a:t>
+            </a:r>
+            <a:endParaRPr lang="ko-KR" altLang="en-US" dirty="0"/>
+          </a:p>
+        </p:txBody>
+      </p:sp>
+    </p:spTree>
+    <p:extLst>
+      <p:ext uri="{BB962C8B-B14F-4D97-AF65-F5344CB8AC3E}">
+        <p14:creationId xmlns:p14="http://schemas.microsoft.com/office/powerpoint/2010/main" val="4056971193"/>
+      </p:ext>
+    </p:extLst>
+  </p:cSld>
+  <p:clrMapOvr>
+    <a:masterClrMapping/>
+  </p:clrMapOvr>
+</p:sld>
+</file>
+
+<file path=ppt/slides/slide5.xml><?xml version="1.0" encoding="utf-8"?>
+<p:sld xmlns:a="http://schemas.openxmlformats.org/drawingml/2006/main" xmlns:r="http://schemas.openxmlformats.org/officeDocument/2006/relationships" xmlns:p="http://schemas.openxmlformats.org/presentationml/2006/main">
+  <p:cSld>
+    <p:spTree>
+      <p:nvGrpSpPr>
+        <p:cNvPr id="1" name=""/>
+        <p:cNvGrpSpPr/>
+        <p:nvPr/>
+      </p:nvGrpSpPr>
+      <p:grpSpPr>
+        <a:xfrm>
+          <a:off x="0" y="0"/>
+          <a:ext cx="0" cy="0"/>
+          <a:chOff x="0" y="0"/>
+          <a:chExt cx="0" cy="0"/>
+        </a:xfrm>
+      </p:grpSpPr>
+      <p:sp>
+        <p:nvSpPr>
+          <p:cNvPr id="2" name="제목 1">
+            <a:extLst>
+              <a:ext uri="{FF2B5EF4-FFF2-40B4-BE49-F238E27FC236}">
+                <a16:creationId xmlns:a16="http://schemas.microsoft.com/office/drawing/2014/main" id="{D61D4740-3B30-4103-8E51-AAE9A935B3E6}"/>
+              </a:ext>
+            </a:extLst>
+          </p:cNvPr>
+          <p:cNvSpPr>
+            <a:spLocks noGrp="1"/>
+          </p:cNvSpPr>
+          <p:nvPr>
+            <p:ph type="title"/>
+          </p:nvPr>
+        </p:nvSpPr>
+        <p:spPr/>
+        <p:txBody>
+          <a:bodyPr/>
+          <a:lstStyle/>
+          <a:p>
+            <a:r>
+              <a:rPr lang="ko-KR" altLang="en-US" dirty="0"/>
+              <a:t>역할</a:t>
+            </a:r>
+            <a:r>
+              <a:rPr lang="en-US" altLang="ko-KR" dirty="0"/>
+              <a:t>, </a:t>
+            </a:r>
+            <a:r>
+              <a:rPr lang="ko-KR" altLang="en-US" dirty="0"/>
+              <a:t>책임</a:t>
+            </a:r>
+            <a:r>
+              <a:rPr lang="en-US" altLang="ko-KR" dirty="0"/>
+              <a:t>, </a:t>
+            </a:r>
+            <a:r>
+              <a:rPr lang="ko-KR" altLang="en-US" dirty="0"/>
+              <a:t>협력</a:t>
+            </a:r>
+          </a:p>
+        </p:txBody>
+      </p:sp>
+      <p:sp>
+        <p:nvSpPr>
+          <p:cNvPr id="3" name="내용 개체 틀 2">
+            <a:extLst>
+              <a:ext uri="{FF2B5EF4-FFF2-40B4-BE49-F238E27FC236}">
+                <a16:creationId xmlns:a16="http://schemas.microsoft.com/office/drawing/2014/main" id="{3F3DAA0A-6AF8-4180-ADA8-B55934CA7EB7}"/>
+              </a:ext>
+            </a:extLst>
+          </p:cNvPr>
+          <p:cNvSpPr>
+            <a:spLocks noGrp="1"/>
+          </p:cNvSpPr>
+          <p:nvPr>
+            <p:ph idx="1"/>
+          </p:nvPr>
+        </p:nvSpPr>
+        <p:spPr/>
+        <p:txBody>
+          <a:bodyPr/>
+          <a:lstStyle/>
+          <a:p>
+            <a:r>
+              <a:rPr lang="ko-KR" altLang="en-US" dirty="0"/>
+              <a:t>협력</a:t>
+            </a:r>
+            <a:r>
+              <a:rPr lang="en-US" altLang="ko-KR" dirty="0"/>
+              <a:t>?</a:t>
+            </a:r>
+          </a:p>
+          <a:p>
+            <a:pPr lvl="1"/>
+            <a:r>
+              <a:rPr lang="ko-KR" altLang="en-US" dirty="0"/>
+              <a:t>요청하고 응답하며 협력하는 객체</a:t>
+            </a:r>
+            <a:r>
+              <a:rPr lang="en-US" altLang="ko-KR" dirty="0"/>
+              <a:t>!!</a:t>
+            </a:r>
+          </a:p>
+          <a:p>
+            <a:r>
+              <a:rPr lang="ko-KR" altLang="en-US" dirty="0"/>
+              <a:t>책임</a:t>
+            </a:r>
+            <a:r>
+              <a:rPr lang="en-US" altLang="ko-KR" dirty="0"/>
+              <a:t>?</a:t>
+            </a:r>
+          </a:p>
+          <a:p>
+            <a:pPr lvl="1"/>
+            <a:r>
+              <a:rPr lang="ko-KR" altLang="en-US" dirty="0"/>
+              <a:t>요청에 대해 대답해 줄 수 있거나</a:t>
+            </a:r>
+            <a:r>
+              <a:rPr lang="en-US" altLang="ko-KR" dirty="0"/>
+              <a:t>, </a:t>
+            </a:r>
+            <a:r>
+              <a:rPr lang="ko-KR" altLang="en-US" dirty="0"/>
+              <a:t>적절한 행동을 할 의무가 있는 경우</a:t>
+            </a:r>
+            <a:r>
+              <a:rPr lang="en-US" altLang="ko-KR" dirty="0"/>
+              <a:t>! </a:t>
+            </a:r>
+            <a:r>
+              <a:rPr lang="ko-KR" altLang="en-US" dirty="0"/>
+              <a:t>책임을 가지는 것임</a:t>
+            </a:r>
+            <a:r>
+              <a:rPr lang="en-US" altLang="ko-KR" dirty="0"/>
+              <a:t>.</a:t>
+            </a:r>
+          </a:p>
+          <a:p>
+            <a:r>
+              <a:rPr lang="ko-KR" altLang="en-US" dirty="0"/>
+              <a:t>역할</a:t>
+            </a:r>
+            <a:r>
+              <a:rPr lang="en-US" altLang="ko-KR" dirty="0"/>
+              <a:t>?</a:t>
+            </a:r>
+          </a:p>
+          <a:p>
+            <a:pPr lvl="1"/>
+            <a:r>
+              <a:rPr lang="ko-KR" altLang="en-US" dirty="0"/>
+              <a:t>책임의 집합</a:t>
+            </a:r>
+            <a:r>
+              <a:rPr lang="en-US" altLang="ko-KR" dirty="0"/>
+              <a:t>!</a:t>
+            </a:r>
+          </a:p>
+          <a:p>
+            <a:pPr lvl="1"/>
+            <a:r>
+              <a:rPr lang="ko-KR" altLang="en-US" dirty="0"/>
+              <a:t>협력 내에서 다른 객체로 대체할 수 있음</a:t>
+            </a:r>
+            <a:r>
+              <a:rPr lang="en-US" altLang="ko-KR" dirty="0"/>
+              <a:t>!!</a:t>
+            </a:r>
+          </a:p>
+          <a:p>
+            <a:pPr lvl="1"/>
+            <a:r>
+              <a:rPr lang="en-US" altLang="ko-KR" dirty="0"/>
+              <a:t>“</a:t>
+            </a:r>
+            <a:r>
+              <a:rPr lang="ko-KR" altLang="en-US" dirty="0"/>
+              <a:t>이 자리는 해당 역할을 수행할 수 있는 어떤 객체라도 대신할 수 있습니다</a:t>
+            </a:r>
+            <a:r>
+              <a:rPr lang="en-US" altLang="ko-KR" dirty="0"/>
+              <a:t>.”</a:t>
+            </a:r>
+            <a:endParaRPr lang="ko-KR" altLang="en-US" dirty="0"/>
+          </a:p>
+        </p:txBody>
+      </p:sp>
+    </p:spTree>
+    <p:extLst>
+      <p:ext uri="{BB962C8B-B14F-4D97-AF65-F5344CB8AC3E}">
+        <p14:creationId xmlns:p14="http://schemas.microsoft.com/office/powerpoint/2010/main" val="3337966380"/>
+      </p:ext>
+    </p:extLst>
+  </p:cSld>
+  <p:clrMapOvr>
+    <a:masterClrMapping/>
+  </p:clrMapOvr>
+</p:sld>
+</file>
+
+<file path=ppt/slides/slide6.xml><?xml version="1.0" encoding="utf-8"?>
+<p:sld xmlns:a="http://schemas.openxmlformats.org/drawingml/2006/main" xmlns:r="http://schemas.openxmlformats.org/officeDocument/2006/relationships" xmlns:p="http://schemas.openxmlformats.org/presentationml/2006/main">
+  <p:cSld>
+    <p:spTree>
+      <p:nvGrpSpPr>
+        <p:cNvPr id="1" name=""/>
+        <p:cNvGrpSpPr/>
+        <p:nvPr/>
+      </p:nvGrpSpPr>
+      <p:grpSpPr>
+        <a:xfrm>
+          <a:off x="0" y="0"/>
+          <a:ext cx="0" cy="0"/>
+          <a:chOff x="0" y="0"/>
+          <a:chExt cx="0" cy="0"/>
+        </a:xfrm>
+      </p:grpSpPr>
+      <p:sp>
+        <p:nvSpPr>
+          <p:cNvPr id="2" name="제목 1">
+            <a:extLst>
+              <a:ext uri="{FF2B5EF4-FFF2-40B4-BE49-F238E27FC236}">
+                <a16:creationId xmlns:a16="http://schemas.microsoft.com/office/drawing/2014/main" id="{85381022-D54E-42F9-AB41-34DF643C185F}"/>
+              </a:ext>
+            </a:extLst>
+          </p:cNvPr>
+          <p:cNvSpPr>
+            <a:spLocks noGrp="1"/>
+          </p:cNvSpPr>
+          <p:nvPr>
+            <p:ph type="title"/>
+          </p:nvPr>
+        </p:nvSpPr>
+        <p:spPr/>
+        <p:txBody>
+          <a:bodyPr/>
+          <a:lstStyle/>
+          <a:p>
+            <a:r>
+              <a:rPr lang="ko-KR" altLang="en-US" dirty="0"/>
+              <a:t>책임과 메시지</a:t>
+            </a:r>
+          </a:p>
+        </p:txBody>
+      </p:sp>
+      <p:sp>
+        <p:nvSpPr>
+          <p:cNvPr id="3" name="내용 개체 틀 2">
+            <a:extLst>
+              <a:ext uri="{FF2B5EF4-FFF2-40B4-BE49-F238E27FC236}">
+                <a16:creationId xmlns:a16="http://schemas.microsoft.com/office/drawing/2014/main" id="{0A7235A1-E24E-4CE4-A1B6-1C7054ED5612}"/>
+              </a:ext>
+            </a:extLst>
+          </p:cNvPr>
+          <p:cNvSpPr>
+            <a:spLocks noGrp="1"/>
+          </p:cNvSpPr>
+          <p:nvPr>
+            <p:ph idx="1"/>
+          </p:nvPr>
+        </p:nvSpPr>
+        <p:spPr/>
+        <p:txBody>
+          <a:bodyPr/>
+          <a:lstStyle/>
+          <a:p>
+            <a:r>
+              <a:rPr lang="ko-KR" altLang="en-US" dirty="0"/>
+              <a:t>자율적 책임</a:t>
+            </a:r>
+            <a:endParaRPr lang="en-US" altLang="ko-KR" dirty="0"/>
+          </a:p>
+          <a:p>
+            <a:pPr lvl="1"/>
+            <a:r>
+              <a:rPr lang="ko-KR" altLang="en-US" dirty="0"/>
+              <a:t>너무 구체적이지 않게</a:t>
+            </a:r>
+            <a:endParaRPr lang="en-US" altLang="ko-KR" dirty="0"/>
+          </a:p>
+          <a:p>
+            <a:pPr lvl="1"/>
+            <a:r>
+              <a:rPr lang="ko-KR" altLang="en-US" dirty="0"/>
+              <a:t>너무 추상적이지 않게</a:t>
+            </a:r>
+            <a:endParaRPr lang="en-US" altLang="ko-KR" dirty="0"/>
+          </a:p>
+          <a:p>
+            <a:pPr lvl="1"/>
+            <a:r>
+              <a:rPr lang="en-US" altLang="ko-KR" dirty="0"/>
+              <a:t>‘</a:t>
+            </a:r>
+            <a:r>
+              <a:rPr lang="ko-KR" altLang="en-US" dirty="0"/>
+              <a:t>어떻게</a:t>
+            </a:r>
+            <a:r>
+              <a:rPr lang="en-US" altLang="ko-KR" dirty="0"/>
+              <a:t>’</a:t>
+            </a:r>
+            <a:r>
+              <a:rPr lang="ko-KR" altLang="en-US" dirty="0"/>
+              <a:t>가 아니라 </a:t>
+            </a:r>
+            <a:r>
+              <a:rPr lang="en-US" altLang="ko-KR" dirty="0"/>
+              <a:t>‘</a:t>
+            </a:r>
+            <a:r>
+              <a:rPr lang="ko-KR" altLang="en-US" dirty="0"/>
+              <a:t>무엇</a:t>
+            </a:r>
+            <a:r>
+              <a:rPr lang="en-US" altLang="ko-KR" dirty="0"/>
+              <a:t>’</a:t>
+            </a:r>
+            <a:r>
+              <a:rPr lang="ko-KR" altLang="en-US" dirty="0"/>
+              <a:t>을</a:t>
+            </a:r>
+            <a:endParaRPr lang="en-US" altLang="ko-KR" dirty="0"/>
+          </a:p>
+          <a:p>
+            <a:r>
+              <a:rPr lang="ko-KR" altLang="en-US" dirty="0"/>
+              <a:t>메시지를 따라라</a:t>
+            </a:r>
+            <a:endParaRPr lang="en-US" altLang="ko-KR" dirty="0"/>
+          </a:p>
+          <a:p>
+            <a:pPr lvl="1"/>
+            <a:r>
+              <a:rPr lang="ko-KR" altLang="en-US" dirty="0"/>
+              <a:t>객체들이 서로 협력하기 위해 사용할 수 있는 유일한 방법</a:t>
+            </a:r>
+            <a:endParaRPr lang="en-US" altLang="ko-KR" dirty="0"/>
+          </a:p>
+        </p:txBody>
+      </p:sp>
+    </p:spTree>
+    <p:extLst>
+      <p:ext uri="{BB962C8B-B14F-4D97-AF65-F5344CB8AC3E}">
+        <p14:creationId xmlns:p14="http://schemas.microsoft.com/office/powerpoint/2010/main" val="2709280530"/>
+      </p:ext>
+    </p:extLst>
+  </p:cSld>
+  <p:clrMapOvr>
+    <a:masterClrMapping/>
+  </p:clrMapOvr>
+</p:sld>
+</file>
+
+<file path=ppt/slides/slide7.xml><?xml version="1.0" encoding="utf-8"?>
+<p:sld xmlns:a="http://schemas.openxmlformats.org/drawingml/2006/main" xmlns:r="http://schemas.openxmlformats.org/officeDocument/2006/relationships" xmlns:p="http://schemas.openxmlformats.org/presentationml/2006/main">
+  <p:cSld>
+    <p:spTree>
+      <p:nvGrpSpPr>
+        <p:cNvPr id="1" name=""/>
+        <p:cNvGrpSpPr/>
+        <p:nvPr/>
+      </p:nvGrpSpPr>
+      <p:grpSpPr>
+        <a:xfrm>
+          <a:off x="0" y="0"/>
+          <a:ext cx="0" cy="0"/>
+          <a:chOff x="0" y="0"/>
+          <a:chExt cx="0" cy="0"/>
+        </a:xfrm>
+      </p:grpSpPr>
+      <p:sp>
+        <p:nvSpPr>
+          <p:cNvPr id="2" name="제목 1">
+            <a:extLst>
+              <a:ext uri="{FF2B5EF4-FFF2-40B4-BE49-F238E27FC236}">
+                <a16:creationId xmlns:a16="http://schemas.microsoft.com/office/drawing/2014/main" id="{CBFDC075-564F-42D4-8311-651ABD0A907A}"/>
+              </a:ext>
+            </a:extLst>
+          </p:cNvPr>
+          <p:cNvSpPr>
+            <a:spLocks noGrp="1"/>
+          </p:cNvSpPr>
+          <p:nvPr>
+            <p:ph type="title"/>
+          </p:nvPr>
+        </p:nvSpPr>
+        <p:spPr/>
+        <p:txBody>
+          <a:bodyPr/>
+          <a:lstStyle/>
+          <a:p>
+            <a:r>
+              <a:rPr lang="ko-KR" altLang="en-US" dirty="0"/>
+              <a:t>객체 지도</a:t>
+            </a:r>
+          </a:p>
+        </p:txBody>
+      </p:sp>
+      <p:sp>
+        <p:nvSpPr>
+          <p:cNvPr id="3" name="내용 개체 틀 2">
+            <a:extLst>
+              <a:ext uri="{FF2B5EF4-FFF2-40B4-BE49-F238E27FC236}">
+                <a16:creationId xmlns:a16="http://schemas.microsoft.com/office/drawing/2014/main" id="{F94E0C05-A844-47FA-8B79-0FFAAC60D8E1}"/>
+              </a:ext>
+            </a:extLst>
+          </p:cNvPr>
+          <p:cNvSpPr>
+            <a:spLocks noGrp="1"/>
+          </p:cNvSpPr>
+          <p:nvPr>
+            <p:ph idx="1"/>
+          </p:nvPr>
+        </p:nvSpPr>
+        <p:spPr/>
+        <p:txBody>
+          <a:bodyPr/>
+          <a:lstStyle/>
+          <a:p>
+            <a:endParaRPr lang="ko-KR" altLang="en-US"/>
+          </a:p>
+        </p:txBody>
+      </p:sp>
+    </p:spTree>
+    <p:extLst>
+      <p:ext uri="{BB962C8B-B14F-4D97-AF65-F5344CB8AC3E}">
+        <p14:creationId xmlns:p14="http://schemas.microsoft.com/office/powerpoint/2010/main" val="1599229838"/>
+      </p:ext>
+    </p:extLst>
+  </p:cSld>
+  <p:clrMapOvr>
+    <a:masterClrMapping/>
+  </p:clrMapOvr>
+</p:sld>
+</file>
+
+<file path=ppt/slides/slide8.xml><?xml version="1.0" encoding="utf-8"?>
+<p:sld xmlns:a="http://schemas.openxmlformats.org/drawingml/2006/main" xmlns:r="http://schemas.openxmlformats.org/officeDocument/2006/relationships" xmlns:p="http://schemas.openxmlformats.org/presentationml/2006/main">
+  <p:cSld>
+    <p:spTree>
+      <p:nvGrpSpPr>
+        <p:cNvPr id="1" name=""/>
+        <p:cNvGrpSpPr/>
+        <p:nvPr/>
+      </p:nvGrpSpPr>
+      <p:grpSpPr>
+        <a:xfrm>
+          <a:off x="0" y="0"/>
+          <a:ext cx="0" cy="0"/>
+          <a:chOff x="0" y="0"/>
+          <a:chExt cx="0" cy="0"/>
+        </a:xfrm>
+      </p:grpSpPr>
+      <p:sp>
+        <p:nvSpPr>
+          <p:cNvPr id="2" name="제목 1">
+            <a:extLst>
+              <a:ext uri="{FF2B5EF4-FFF2-40B4-BE49-F238E27FC236}">
+                <a16:creationId xmlns:a16="http://schemas.microsoft.com/office/drawing/2014/main" id="{567194F5-6EA4-4F82-836A-F8A5A18B1FBC}"/>
+              </a:ext>
+            </a:extLst>
+          </p:cNvPr>
+          <p:cNvSpPr>
+            <a:spLocks noGrp="1"/>
+          </p:cNvSpPr>
+          <p:nvPr>
+            <p:ph type="title"/>
+          </p:nvPr>
+        </p:nvSpPr>
+        <p:spPr/>
+        <p:txBody>
+          <a:bodyPr/>
+          <a:lstStyle/>
+          <a:p>
+            <a:r>
+              <a:rPr lang="ko-KR" altLang="en-US" dirty="0"/>
+              <a:t>함께 모으기</a:t>
+            </a:r>
+          </a:p>
+        </p:txBody>
+      </p:sp>
+      <p:sp>
+        <p:nvSpPr>
+          <p:cNvPr id="3" name="내용 개체 틀 2">
+            <a:extLst>
+              <a:ext uri="{FF2B5EF4-FFF2-40B4-BE49-F238E27FC236}">
+                <a16:creationId xmlns:a16="http://schemas.microsoft.com/office/drawing/2014/main" id="{DD280428-FF92-440C-B2ED-A09E557A46F7}"/>
+              </a:ext>
+            </a:extLst>
+          </p:cNvPr>
+          <p:cNvSpPr>
+            <a:spLocks noGrp="1"/>
+          </p:cNvSpPr>
+          <p:nvPr>
+            <p:ph idx="1"/>
+          </p:nvPr>
+        </p:nvSpPr>
+        <p:spPr/>
+        <p:txBody>
+          <a:bodyPr/>
+          <a:lstStyle/>
+          <a:p>
+            <a:endParaRPr lang="ko-KR" altLang="en-US"/>
+          </a:p>
+        </p:txBody>
+      </p:sp>
+    </p:spTree>
+    <p:extLst>
+      <p:ext uri="{BB962C8B-B14F-4D97-AF65-F5344CB8AC3E}">
+        <p14:creationId xmlns:p14="http://schemas.microsoft.com/office/powerpoint/2010/main" val="1379871948"/>
+      </p:ext>
+    </p:extLst>
+  </p:cSld>
+  <p:clrMapOvr>
+    <a:masterClrMapping/>
+  </p:clrMapOvr>
+</p:sld>
+</file>
+
+<file path=ppt/slides/slide9.xml><?xml version="1.0" encoding="utf-8"?>
+<p:sld xmlns:a="http://schemas.openxmlformats.org/drawingml/2006/main" xmlns:r="http://schemas.openxmlformats.org/officeDocument/2006/relationships" xmlns:p="http://schemas.openxmlformats.org/presentationml/2006/main">
+  <p:cSld>
+    <p:spTree>
+      <p:nvGrpSpPr>
+        <p:cNvPr id="1" name=""/>
+        <p:cNvGrpSpPr/>
+        <p:nvPr/>
+      </p:nvGrpSpPr>
+      <p:grpSpPr>
+        <a:xfrm>
+          <a:off x="0" y="0"/>
+          <a:ext cx="0" cy="0"/>
+          <a:chOff x="0" y="0"/>
+          <a:chExt cx="0" cy="0"/>
+        </a:xfrm>
+      </p:grpSpPr>
+      <p:sp>
+        <p:nvSpPr>
+          <p:cNvPr id="2" name="제목 1">
+            <a:extLst>
+              <a:ext uri="{FF2B5EF4-FFF2-40B4-BE49-F238E27FC236}">
+                <a16:creationId xmlns:a16="http://schemas.microsoft.com/office/drawing/2014/main" id="{A5B52339-42B5-4822-B7FC-FFA717ABC658}"/>
+              </a:ext>
+            </a:extLst>
+          </p:cNvPr>
+          <p:cNvSpPr>
+            <a:spLocks noGrp="1"/>
+          </p:cNvSpPr>
+          <p:nvPr>
+            <p:ph type="title"/>
+          </p:nvPr>
+        </p:nvSpPr>
+        <p:spPr/>
+        <p:txBody>
+          <a:bodyPr/>
+          <a:lstStyle/>
+          <a:p>
+            <a:r>
+              <a:rPr lang="ko-KR" altLang="en-US" dirty="0"/>
+              <a:t>추상화 기법</a:t>
+            </a:r>
+          </a:p>
+        </p:txBody>
+      </p:sp>
+      <p:sp>
+        <p:nvSpPr>
+          <p:cNvPr id="3" name="내용 개체 틀 2">
+            <a:extLst>
+              <a:ext uri="{FF2B5EF4-FFF2-40B4-BE49-F238E27FC236}">
+                <a16:creationId xmlns:a16="http://schemas.microsoft.com/office/drawing/2014/main" id="{53431333-8DB7-4784-ABA4-06B6A0E540C9}"/>
+              </a:ext>
+            </a:extLst>
+          </p:cNvPr>
+          <p:cNvSpPr>
+            <a:spLocks noGrp="1"/>
+          </p:cNvSpPr>
+          <p:nvPr>
+            <p:ph idx="1"/>
+          </p:nvPr>
+        </p:nvSpPr>
+        <p:spPr/>
+        <p:txBody>
+          <a:bodyPr/>
+          <a:lstStyle/>
+          <a:p>
+            <a:endParaRPr lang="ko-KR" altLang="en-US"/>
+          </a:p>
+        </p:txBody>
+      </p:sp>
+    </p:spTree>
+    <p:extLst>
+      <p:ext uri="{BB962C8B-B14F-4D97-AF65-F5344CB8AC3E}">
+        <p14:creationId xmlns:p14="http://schemas.microsoft.com/office/powerpoint/2010/main" val="1880333423"/>
       </p:ext>
     </p:extLst>
   </p:cSld>
